--- a/Objektorientierung/Objektorientierung.pptx
+++ b/Objektorientierung/Objektorientierung.pptx
@@ -5,7 +5,7 @@
     <p:sldMasterId id="2147483660" r:id="rId1"/>
   </p:sldMasterIdLst>
   <p:notesMasterIdLst>
-    <p:notesMasterId r:id="rId20"/>
+    <p:notesMasterId r:id="rId21"/>
   </p:notesMasterIdLst>
   <p:sldIdLst>
     <p:sldId id="327" r:id="rId2"/>
@@ -22,10 +22,11 @@
     <p:sldId id="386" r:id="rId13"/>
     <p:sldId id="388" r:id="rId14"/>
     <p:sldId id="411" r:id="rId15"/>
-    <p:sldId id="412" r:id="rId16"/>
-    <p:sldId id="381" r:id="rId17"/>
-    <p:sldId id="383" r:id="rId18"/>
-    <p:sldId id="269" r:id="rId19"/>
+    <p:sldId id="413" r:id="rId16"/>
+    <p:sldId id="412" r:id="rId17"/>
+    <p:sldId id="381" r:id="rId18"/>
+    <p:sldId id="383" r:id="rId19"/>
+    <p:sldId id="269" r:id="rId20"/>
   </p:sldIdLst>
   <p:sldSz cx="9144000" cy="6858000" type="screen4x3"/>
   <p:notesSz cx="7104063" cy="10234613"/>
@@ -159,6 +160,7 @@
 <p1510:revInfo xmlns:a="http://schemas.openxmlformats.org/drawingml/2006/main" xmlns:r="http://schemas.openxmlformats.org/officeDocument/2006/relationships" xmlns:p1510="http://schemas.microsoft.com/office/powerpoint/2015/10/main">
   <p1510:revLst>
     <p1510:client id="{008954BB-6C11-4B7E-864F-61045926D270}" v="16" dt="2022-09-25T13:03:50.499"/>
+    <p1510:client id="{3EBAEA1F-2CD0-4200-910C-C3A57253E917}" v="1" dt="2022-09-25T13:50:34.846"/>
   </p1510:revLst>
 </p1510:revInfo>
 </file>
@@ -1223,6 +1225,60 @@
           <ac:spMkLst>
             <pc:docMk/>
             <pc:sldMk cId="4035929819" sldId="384"/>
+            <ac:spMk id="3" creationId="{00000000-0000-0000-0000-000000000000}"/>
+          </ac:spMkLst>
+        </pc:spChg>
+      </pc:sldChg>
+    </pc:docChg>
+  </pc:docChgLst>
+  <pc:docChgLst>
+    <pc:chgData name="Ivo Stichel" userId="965dcd5e930418a5" providerId="LiveId" clId="{3EBAEA1F-2CD0-4200-910C-C3A57253E917}"/>
+    <pc:docChg chg="addSld modSld sldOrd">
+      <pc:chgData name="Ivo Stichel" userId="965dcd5e930418a5" providerId="LiveId" clId="{3EBAEA1F-2CD0-4200-910C-C3A57253E917}" dt="2022-09-25T13:50:48.177" v="40"/>
+      <pc:docMkLst>
+        <pc:docMk/>
+      </pc:docMkLst>
+      <pc:sldChg chg="modSp mod">
+        <pc:chgData name="Ivo Stichel" userId="965dcd5e930418a5" providerId="LiveId" clId="{3EBAEA1F-2CD0-4200-910C-C3A57253E917}" dt="2022-09-25T13:49:30.691" v="0" actId="20577"/>
+        <pc:sldMkLst>
+          <pc:docMk/>
+          <pc:sldMk cId="881346694" sldId="410"/>
+        </pc:sldMkLst>
+        <pc:spChg chg="mod">
+          <ac:chgData name="Ivo Stichel" userId="965dcd5e930418a5" providerId="LiveId" clId="{3EBAEA1F-2CD0-4200-910C-C3A57253E917}" dt="2022-09-25T13:49:30.691" v="0" actId="20577"/>
+          <ac:spMkLst>
+            <pc:docMk/>
+            <pc:sldMk cId="881346694" sldId="410"/>
+            <ac:spMk id="2" creationId="{00000000-0000-0000-0000-000000000000}"/>
+          </ac:spMkLst>
+        </pc:spChg>
+      </pc:sldChg>
+      <pc:sldChg chg="modSp mod">
+        <pc:chgData name="Ivo Stichel" userId="965dcd5e930418a5" providerId="LiveId" clId="{3EBAEA1F-2CD0-4200-910C-C3A57253E917}" dt="2022-09-25T13:50:19.654" v="1" actId="20577"/>
+        <pc:sldMkLst>
+          <pc:docMk/>
+          <pc:sldMk cId="3438466950" sldId="411"/>
+        </pc:sldMkLst>
+        <pc:spChg chg="mod">
+          <ac:chgData name="Ivo Stichel" userId="965dcd5e930418a5" providerId="LiveId" clId="{3EBAEA1F-2CD0-4200-910C-C3A57253E917}" dt="2022-09-25T13:50:19.654" v="1" actId="20577"/>
+          <ac:spMkLst>
+            <pc:docMk/>
+            <pc:sldMk cId="3438466950" sldId="411"/>
+            <ac:spMk id="5" creationId="{7E5B87D6-747F-111D-7C1F-D36CD04A9433}"/>
+          </ac:spMkLst>
+        </pc:spChg>
+      </pc:sldChg>
+      <pc:sldChg chg="modSp add mod ord">
+        <pc:chgData name="Ivo Stichel" userId="965dcd5e930418a5" providerId="LiveId" clId="{3EBAEA1F-2CD0-4200-910C-C3A57253E917}" dt="2022-09-25T13:50:48.177" v="40"/>
+        <pc:sldMkLst>
+          <pc:docMk/>
+          <pc:sldMk cId="1124290357" sldId="413"/>
+        </pc:sldMkLst>
+        <pc:spChg chg="mod">
+          <ac:chgData name="Ivo Stichel" userId="965dcd5e930418a5" providerId="LiveId" clId="{3EBAEA1F-2CD0-4200-910C-C3A57253E917}" dt="2022-09-25T13:50:43.704" v="38" actId="20577"/>
+          <ac:spMkLst>
+            <pc:docMk/>
+            <pc:sldMk cId="1124290357" sldId="413"/>
             <ac:spMk id="3" creationId="{00000000-0000-0000-0000-000000000000}"/>
           </ac:spMkLst>
         </pc:spChg>
@@ -9632,7 +9688,7 @@
     </p:spTree>
     <p:extLst>
       <p:ext uri="{BB962C8B-B14F-4D97-AF65-F5344CB8AC3E}">
-        <p14:creationId xmlns:p14="http://schemas.microsoft.com/office/powerpoint/2010/main" val="4204023676"/>
+        <p14:creationId xmlns:p14="http://schemas.microsoft.com/office/powerpoint/2010/main" val="1708792978"/>
       </p:ext>
     </p:extLst>
   </p:cSld>
@@ -9716,7 +9772,7 @@
     </p:spTree>
     <p:extLst>
       <p:ext uri="{BB962C8B-B14F-4D97-AF65-F5344CB8AC3E}">
-        <p14:creationId xmlns:p14="http://schemas.microsoft.com/office/powerpoint/2010/main" val="268743735"/>
+        <p14:creationId xmlns:p14="http://schemas.microsoft.com/office/powerpoint/2010/main" val="4204023676"/>
       </p:ext>
     </p:extLst>
   </p:cSld>
@@ -9800,7 +9856,7 @@
     </p:spTree>
     <p:extLst>
       <p:ext uri="{BB962C8B-B14F-4D97-AF65-F5344CB8AC3E}">
-        <p14:creationId xmlns:p14="http://schemas.microsoft.com/office/powerpoint/2010/main" val="1833113296"/>
+        <p14:creationId xmlns:p14="http://schemas.microsoft.com/office/powerpoint/2010/main" val="268743735"/>
       </p:ext>
     </p:extLst>
   </p:cSld>
@@ -9876,6 +9932,90 @@
             <a:fld id="{8E61B259-718E-41BC-9A97-1627054B1256}" type="slidenum">
               <a:rPr lang="de-DE" smtClean="0"/>
               <a:t>18</a:t>
+            </a:fld>
+            <a:endParaRPr lang="de-DE" dirty="0"/>
+          </a:p>
+        </p:txBody>
+      </p:sp>
+    </p:spTree>
+    <p:extLst>
+      <p:ext uri="{BB962C8B-B14F-4D97-AF65-F5344CB8AC3E}">
+        <p14:creationId xmlns:p14="http://schemas.microsoft.com/office/powerpoint/2010/main" val="1833113296"/>
+      </p:ext>
+    </p:extLst>
+  </p:cSld>
+  <p:clrMapOvr>
+    <a:masterClrMapping/>
+  </p:clrMapOvr>
+</p:notes>
+</file>
+
+<file path=ppt/notesSlides/notesSlide19.xml><?xml version="1.0" encoding="utf-8"?>
+<p:notes xmlns:a="http://schemas.openxmlformats.org/drawingml/2006/main" xmlns:r="http://schemas.openxmlformats.org/officeDocument/2006/relationships" xmlns:p="http://schemas.openxmlformats.org/presentationml/2006/main">
+  <p:cSld>
+    <p:spTree>
+      <p:nvGrpSpPr>
+        <p:cNvPr id="1" name=""/>
+        <p:cNvGrpSpPr/>
+        <p:nvPr/>
+      </p:nvGrpSpPr>
+      <p:grpSpPr>
+        <a:xfrm>
+          <a:off x="0" y="0"/>
+          <a:ext cx="0" cy="0"/>
+          <a:chOff x="0" y="0"/>
+          <a:chExt cx="0" cy="0"/>
+        </a:xfrm>
+      </p:grpSpPr>
+      <p:sp>
+        <p:nvSpPr>
+          <p:cNvPr id="2" name="Folienbildplatzhalter 1"/>
+          <p:cNvSpPr>
+            <a:spLocks noGrp="1" noRot="1" noChangeAspect="1"/>
+          </p:cNvSpPr>
+          <p:nvPr>
+            <p:ph type="sldImg"/>
+          </p:nvPr>
+        </p:nvSpPr>
+        <p:spPr/>
+      </p:sp>
+      <p:sp>
+        <p:nvSpPr>
+          <p:cNvPr id="3" name="Notizenplatzhalter 2"/>
+          <p:cNvSpPr>
+            <a:spLocks noGrp="1"/>
+          </p:cNvSpPr>
+          <p:nvPr>
+            <p:ph type="body" idx="1"/>
+          </p:nvPr>
+        </p:nvSpPr>
+        <p:spPr/>
+        <p:txBody>
+          <a:bodyPr/>
+          <a:lstStyle/>
+          <a:p>
+            <a:endParaRPr lang="de-DE" dirty="0"/>
+          </a:p>
+        </p:txBody>
+      </p:sp>
+      <p:sp>
+        <p:nvSpPr>
+          <p:cNvPr id="4" name="Foliennummernplatzhalter 3"/>
+          <p:cNvSpPr>
+            <a:spLocks noGrp="1"/>
+          </p:cNvSpPr>
+          <p:nvPr>
+            <p:ph type="sldNum" sz="quarter" idx="10"/>
+          </p:nvPr>
+        </p:nvSpPr>
+        <p:spPr/>
+        <p:txBody>
+          <a:bodyPr/>
+          <a:lstStyle/>
+          <a:p>
+            <a:fld id="{8E61B259-718E-41BC-9A97-1627054B1256}" type="slidenum">
+              <a:rPr lang="de-DE" smtClean="0"/>
+              <a:t>19</a:t>
             </a:fld>
             <a:endParaRPr lang="de-DE" dirty="0"/>
           </a:p>
@@ -15014,7 +15154,7 @@
             </a:pPr>
             <a:r>
               <a:rPr lang="de-DE" dirty="0"/>
-              <a:t>Wir sind im Bürgeramt und wollen das Verfahren mit den Nummernziehen programmieren…</a:t>
+              <a:t>Wir sind im Bürgeramt und wollen das Verfahren mit dem Nummernziehen programmieren…</a:t>
             </a:r>
           </a:p>
           <a:p>
@@ -15694,8 +15834,13 @@
             </a:br>
             <a:r>
               <a:rPr lang="de-DE" dirty="0"/>
-              <a:t>	- Klasse verkettete Liste</a:t>
+              <a:t>	- Klasse </a:t>
             </a:r>
+            <a:r>
+              <a:rPr lang="de-DE" dirty="0" err="1"/>
+              <a:t>verketteteListe</a:t>
+            </a:r>
+            <a:endParaRPr lang="de-DE" dirty="0"/>
           </a:p>
           <a:p>
             <a:pPr>
@@ -15720,6 +15865,63 @@
 </file>
 
 <file path=ppt/slides/slide15.xml><?xml version="1.0" encoding="utf-8"?>
+<p:sld xmlns:a="http://schemas.openxmlformats.org/drawingml/2006/main" xmlns:r="http://schemas.openxmlformats.org/officeDocument/2006/relationships" xmlns:p="http://schemas.openxmlformats.org/presentationml/2006/main">
+  <p:cSld>
+    <p:spTree>
+      <p:nvGrpSpPr>
+        <p:cNvPr id="1" name=""/>
+        <p:cNvGrpSpPr/>
+        <p:nvPr/>
+      </p:nvGrpSpPr>
+      <p:grpSpPr>
+        <a:xfrm>
+          <a:off x="0" y="0"/>
+          <a:ext cx="0" cy="0"/>
+          <a:chOff x="0" y="0"/>
+          <a:chExt cx="0" cy="0"/>
+        </a:xfrm>
+      </p:grpSpPr>
+      <p:sp>
+        <p:nvSpPr>
+          <p:cNvPr id="3" name="Titel 2"/>
+          <p:cNvSpPr>
+            <a:spLocks noGrp="1"/>
+          </p:cNvSpPr>
+          <p:nvPr>
+            <p:ph type="title"/>
+          </p:nvPr>
+        </p:nvSpPr>
+        <p:spPr/>
+        <p:txBody>
+          <a:bodyPr/>
+          <a:lstStyle/>
+          <a:p>
+            <a:r>
+              <a:rPr lang="de-DE" dirty="0"/>
+              <a:t>Beispiel </a:t>
+            </a:r>
+            <a:r>
+              <a:rPr lang="de-DE" dirty="0" err="1"/>
+              <a:t>VerketteteListe</a:t>
+            </a:r>
+            <a:endParaRPr lang="de-DE" dirty="0"/>
+          </a:p>
+        </p:txBody>
+      </p:sp>
+    </p:spTree>
+    <p:extLst>
+      <p:ext uri="{BB962C8B-B14F-4D97-AF65-F5344CB8AC3E}">
+        <p14:creationId xmlns:p14="http://schemas.microsoft.com/office/powerpoint/2010/main" val="1124290357"/>
+      </p:ext>
+    </p:extLst>
+  </p:cSld>
+  <p:clrMapOvr>
+    <a:masterClrMapping/>
+  </p:clrMapOvr>
+</p:sld>
+</file>
+
+<file path=ppt/slides/slide16.xml><?xml version="1.0" encoding="utf-8"?>
 <p:sld xmlns:a="http://schemas.openxmlformats.org/drawingml/2006/main" xmlns:r="http://schemas.openxmlformats.org/officeDocument/2006/relationships" xmlns:p="http://schemas.openxmlformats.org/presentationml/2006/main">
   <p:cSld>
     <p:spTree>
@@ -15858,7 +16060,7 @@
 </p:sld>
 </file>
 
-<file path=ppt/slides/slide16.xml><?xml version="1.0" encoding="utf-8"?>
+<file path=ppt/slides/slide17.xml><?xml version="1.0" encoding="utf-8"?>
 <p:sld xmlns:a="http://schemas.openxmlformats.org/drawingml/2006/main" xmlns:r="http://schemas.openxmlformats.org/officeDocument/2006/relationships" xmlns:p="http://schemas.openxmlformats.org/presentationml/2006/main">
   <p:cSld>
     <p:spTree>
@@ -15910,7 +16112,7 @@
 </p:sld>
 </file>
 
-<file path=ppt/slides/slide17.xml><?xml version="1.0" encoding="utf-8"?>
+<file path=ppt/slides/slide18.xml><?xml version="1.0" encoding="utf-8"?>
 <p:sld xmlns:a="http://schemas.openxmlformats.org/drawingml/2006/main" xmlns:r="http://schemas.openxmlformats.org/officeDocument/2006/relationships" xmlns:p="http://schemas.openxmlformats.org/presentationml/2006/main">
   <p:cSld>
     <p:spTree>
@@ -16053,7 +16255,7 @@
 </p:sld>
 </file>
 
-<file path=ppt/slides/slide18.xml><?xml version="1.0" encoding="utf-8"?>
+<file path=ppt/slides/slide19.xml><?xml version="1.0" encoding="utf-8"?>
 <p:sld xmlns:a="http://schemas.openxmlformats.org/drawingml/2006/main" xmlns:r="http://schemas.openxmlformats.org/officeDocument/2006/relationships" xmlns:p="http://schemas.openxmlformats.org/presentationml/2006/main">
   <p:cSld>
     <p:spTree>
